--- a/Lessions/Bai-03-Accelerometer-Sensor-and-Touch/Bai-03-Accelerometer-Sensor-and-Touch.pptx
+++ b/Lessions/Bai-03-Accelerometer-Sensor-and-Touch/Bai-03-Accelerometer-Sensor-and-Touch.pptx
@@ -207,7 +207,7 @@
           <a:p>
             <a:fld id="{E1BDF935-9821-4834-9D99-7DEFA719F44D}" type="datetimeFigureOut">
               <a:rPr lang="en-US" smtClean="0"/>
-              <a:t>5/4/2023</a:t>
+              <a:t>5/6/2023</a:t>
             </a:fld>
             <a:endParaRPr lang="en-US"/>
           </a:p>
@@ -2516,7 +2516,16 @@
                 </a:solidFill>
                 <a:latin typeface="GT Walsheim Bold" panose="00000800000000000000" pitchFamily="2" charset="0"/>
               </a:rPr>
-              <a:t>BÀI 1</a:t>
+              <a:t>BÀI </a:t>
+            </a:r>
+            <a:r>
+              <a:rPr lang="en-US" sz="3600" b="1" dirty="0" smtClean="0">
+                <a:solidFill>
+                  <a:schemeClr val="bg1"/>
+                </a:solidFill>
+                <a:latin typeface="GT Walsheim Bold" panose="00000800000000000000" pitchFamily="2" charset="0"/>
+              </a:rPr>
+              <a:t>3</a:t>
             </a:r>
             <a:endParaRPr lang="en-US" sz="3600" b="1" dirty="0">
               <a:solidFill>
@@ -2536,7 +2545,7 @@
         <p:spPr>
           <a:xfrm>
             <a:off x="1812194" y="4179136"/>
-            <a:ext cx="6131656" cy="707886"/>
+            <a:ext cx="6131656" cy="1323439"/>
           </a:xfrm>
           <a:prstGeom prst="rect">
             <a:avLst/>
@@ -2558,7 +2567,7 @@
                 <a:latin typeface="GT Walsheim Bold" panose="00000800000000000000" pitchFamily="2" charset="0"/>
                 <a:ea typeface="Roboto" pitchFamily="2" charset="0"/>
               </a:rPr>
-              <a:t>Output - Hello World</a:t>
+              <a:t>Accelerometer Sensor and Touch</a:t>
             </a:r>
             <a:endParaRPr lang="en-US" sz="4000" b="1" dirty="0">
               <a:solidFill>
@@ -3997,15 +4006,6 @@
               </a:rPr>
               <a:t>Ứng dụng cảm biến trong đời sống thực tiễn</a:t>
             </a:r>
-            <a:endParaRPr lang="en-US" sz="2000" dirty="0" smtClean="0">
-              <a:solidFill>
-                <a:schemeClr val="tx1">
-                  <a:lumMod val="95000"/>
-                  <a:lumOff val="5000"/>
-                </a:schemeClr>
-              </a:solidFill>
-              <a:ea typeface="Roboto Condensed" pitchFamily="2" charset="0"/>
-            </a:endParaRPr>
           </a:p>
         </p:txBody>
       </p:sp>
@@ -4065,15 +4065,6 @@
               </a:rPr>
               <a:t>Cảm biến khói để báo cháy</a:t>
             </a:r>
-            <a:endParaRPr lang="en-US" sz="2000" b="0" dirty="0" smtClean="0">
-              <a:solidFill>
-                <a:schemeClr val="tx1">
-                  <a:lumMod val="95000"/>
-                  <a:lumOff val="5000"/>
-                </a:schemeClr>
-              </a:solidFill>
-              <a:ea typeface="Roboto Condensed" pitchFamily="2" charset="0"/>
-            </a:endParaRPr>
           </a:p>
         </p:txBody>
       </p:sp>
@@ -4179,15 +4170,6 @@
               </a:rPr>
               <a:t>Cảm biến mưa để nhận biết có mưa</a:t>
             </a:r>
-            <a:endParaRPr lang="en-US" sz="2000" b="0" dirty="0" smtClean="0">
-              <a:solidFill>
-                <a:schemeClr val="tx1">
-                  <a:lumMod val="95000"/>
-                  <a:lumOff val="5000"/>
-                </a:schemeClr>
-              </a:solidFill>
-              <a:ea typeface="Roboto Condensed" pitchFamily="2" charset="0"/>
-            </a:endParaRPr>
           </a:p>
         </p:txBody>
       </p:sp>
@@ -4293,15 +4275,6 @@
               </a:rPr>
               <a:t>Cảm biến nhiệt độ để theo dõi nhiệt độ </a:t>
             </a:r>
-            <a:endParaRPr lang="en-US" sz="2000" b="0" dirty="0" smtClean="0">
-              <a:solidFill>
-                <a:schemeClr val="tx1">
-                  <a:lumMod val="95000"/>
-                  <a:lumOff val="5000"/>
-                </a:schemeClr>
-              </a:solidFill>
-              <a:ea typeface="Roboto Condensed" pitchFamily="2" charset="0"/>
-            </a:endParaRPr>
           </a:p>
         </p:txBody>
       </p:sp>
@@ -4650,15 +4623,6 @@
               </a:rPr>
               <a:t>Cảm biến chạm</a:t>
             </a:r>
-            <a:endParaRPr lang="en-US" sz="2000" b="0" dirty="0" smtClean="0">
-              <a:solidFill>
-                <a:schemeClr val="tx1">
-                  <a:lumMod val="95000"/>
-                  <a:lumOff val="5000"/>
-                </a:schemeClr>
-              </a:solidFill>
-              <a:ea typeface="Roboto Condensed" pitchFamily="2" charset="0"/>
-            </a:endParaRPr>
           </a:p>
         </p:txBody>
       </p:sp>
@@ -4804,15 +4768,6 @@
               </a:rPr>
               <a:t>Cảm biến ánh sáng</a:t>
             </a:r>
-            <a:endParaRPr lang="en-US" sz="2000" b="0" dirty="0" smtClean="0">
-              <a:solidFill>
-                <a:schemeClr val="tx1">
-                  <a:lumMod val="95000"/>
-                  <a:lumOff val="5000"/>
-                </a:schemeClr>
-              </a:solidFill>
-              <a:ea typeface="Roboto Condensed" pitchFamily="2" charset="0"/>
-            </a:endParaRPr>
           </a:p>
         </p:txBody>
       </p:sp>
@@ -4962,7 +4917,6 @@
               <a:rPr lang="en-US" b="1" dirty="0"/>
               <a:t>3</a:t>
             </a:r>
-            <a:endParaRPr lang="en-US" b="1" dirty="0"/>
           </a:p>
         </p:txBody>
       </p:sp>
@@ -5022,15 +4976,6 @@
               </a:rPr>
               <a:t>Cảm biến la bàn và gia tốc kế</a:t>
             </a:r>
-            <a:endParaRPr lang="en-US" sz="2000" b="0" dirty="0" smtClean="0">
-              <a:solidFill>
-                <a:schemeClr val="tx1">
-                  <a:lumMod val="95000"/>
-                  <a:lumOff val="5000"/>
-                </a:schemeClr>
-              </a:solidFill>
-              <a:ea typeface="Roboto Condensed" pitchFamily="2" charset="0"/>
-            </a:endParaRPr>
           </a:p>
         </p:txBody>
       </p:sp>
@@ -5080,7 +5025,6 @@
               <a:rPr lang="en-US" b="1" dirty="0"/>
               <a:t>3</a:t>
             </a:r>
-            <a:endParaRPr lang="en-US" b="1" dirty="0"/>
           </a:p>
         </p:txBody>
       </p:sp>
@@ -5240,15 +5184,6 @@
               </a:rPr>
               <a:t>Cảm biến nhiệt độ</a:t>
             </a:r>
-            <a:endParaRPr lang="en-US" sz="2000" b="0" dirty="0" smtClean="0">
-              <a:solidFill>
-                <a:schemeClr val="tx1">
-                  <a:lumMod val="95000"/>
-                  <a:lumOff val="5000"/>
-                </a:schemeClr>
-              </a:solidFill>
-              <a:ea typeface="Roboto Condensed" pitchFamily="2" charset="0"/>
-            </a:endParaRPr>
           </a:p>
         </p:txBody>
       </p:sp>
@@ -5648,15 +5583,6 @@
               </a:rPr>
               <a:t>Các giá trị mà cảm biến thu thập được sẽ là inputs đầu vào cho chương trình</a:t>
             </a:r>
-            <a:endParaRPr lang="en-US" sz="2000" b="0" dirty="0" smtClean="0">
-              <a:solidFill>
-                <a:schemeClr val="tx1">
-                  <a:lumMod val="95000"/>
-                  <a:lumOff val="5000"/>
-                </a:schemeClr>
-              </a:solidFill>
-              <a:ea typeface="Roboto Condensed" pitchFamily="2" charset="0"/>
-            </a:endParaRPr>
           </a:p>
         </p:txBody>
       </p:sp>
@@ -5716,15 +5642,6 @@
               </a:rPr>
               <a:t>Dựa vào đó chúng ta có thể quyết định cho micro:bit thực hiện các tác vụ theo ý muốn.</a:t>
             </a:r>
-            <a:endParaRPr lang="en-US" sz="2000" b="0" dirty="0" smtClean="0">
-              <a:solidFill>
-                <a:schemeClr val="tx1">
-                  <a:lumMod val="95000"/>
-                  <a:lumOff val="5000"/>
-                </a:schemeClr>
-              </a:solidFill>
-              <a:ea typeface="Roboto Condensed" pitchFamily="2" charset="0"/>
-            </a:endParaRPr>
           </a:p>
         </p:txBody>
       </p:sp>
@@ -5948,15 +5865,6 @@
               </a:rPr>
               <a:t>cảm biến gia tốc kế - Accelerometer</a:t>
             </a:r>
-            <a:endParaRPr lang="en-US" sz="1600" b="0" i="1" dirty="0" smtClean="0">
-              <a:solidFill>
-                <a:schemeClr val="tx1">
-                  <a:lumMod val="95000"/>
-                  <a:lumOff val="5000"/>
-                </a:schemeClr>
-              </a:solidFill>
-              <a:ea typeface="Roboto Condensed" pitchFamily="2" charset="0"/>
-            </a:endParaRPr>
           </a:p>
         </p:txBody>
       </p:sp>
@@ -6040,15 +5948,6 @@
               </a:rPr>
               <a:t>cảm biến chạm</a:t>
             </a:r>
-            <a:endParaRPr lang="en-US" sz="1600" b="0" i="1" dirty="0" smtClean="0">
-              <a:solidFill>
-                <a:schemeClr val="tx1">
-                  <a:lumMod val="95000"/>
-                  <a:lumOff val="5000"/>
-                </a:schemeClr>
-              </a:solidFill>
-              <a:ea typeface="Roboto Condensed" pitchFamily="2" charset="0"/>
-            </a:endParaRPr>
           </a:p>
         </p:txBody>
       </p:sp>
@@ -6307,15 +6206,6 @@
               </a:rPr>
               <a:t>Trong bài học này chúng ta tìm hiểu 2 cảm biến gia tốc kế và chạm</a:t>
             </a:r>
-            <a:endParaRPr lang="en-US" sz="2000" b="0" dirty="0" smtClean="0">
-              <a:solidFill>
-                <a:schemeClr val="tx1">
-                  <a:lumMod val="95000"/>
-                  <a:lumOff val="5000"/>
-                </a:schemeClr>
-              </a:solidFill>
-              <a:ea typeface="Roboto Condensed" pitchFamily="2" charset="0"/>
-            </a:endParaRPr>
           </a:p>
         </p:txBody>
       </p:sp>
@@ -6373,29 +6263,8 @@
                 </a:solidFill>
                 <a:ea typeface="Roboto Condensed" pitchFamily="2" charset="0"/>
               </a:rPr>
-              <a:t>Các sự kiện liên quan đến </a:t>
-            </a:r>
-            <a:r>
-              <a:rPr lang="en-US" sz="1600" b="0" i="1" dirty="0" smtClean="0">
-                <a:solidFill>
-                  <a:schemeClr val="tx1">
-                    <a:lumMod val="95000"/>
-                    <a:lumOff val="5000"/>
-                  </a:schemeClr>
-                </a:solidFill>
-                <a:ea typeface="Roboto Condensed" pitchFamily="2" charset="0"/>
-              </a:rPr>
-              <a:t>cảm biến gia tốc kế - Accelerometer</a:t>
-            </a:r>
-            <a:endParaRPr lang="en-US" sz="1600" b="0" i="1" dirty="0" smtClean="0">
-              <a:solidFill>
-                <a:schemeClr val="tx1">
-                  <a:lumMod val="95000"/>
-                  <a:lumOff val="5000"/>
-                </a:schemeClr>
-              </a:solidFill>
-              <a:ea typeface="Roboto Condensed" pitchFamily="2" charset="0"/>
-            </a:endParaRPr>
+              <a:t>Các sự kiện liên quan đến cảm biến gia tốc kế - Accelerometer</a:t>
+            </a:r>
           </a:p>
         </p:txBody>
       </p:sp>
@@ -6453,29 +6322,8 @@
                 </a:solidFill>
                 <a:ea typeface="Roboto Condensed" pitchFamily="2" charset="0"/>
               </a:rPr>
-              <a:t>Các sự kiện liên quan đến </a:t>
-            </a:r>
-            <a:r>
-              <a:rPr lang="en-US" sz="1600" b="0" i="1" dirty="0" smtClean="0">
-                <a:solidFill>
-                  <a:schemeClr val="tx1">
-                    <a:lumMod val="95000"/>
-                    <a:lumOff val="5000"/>
-                  </a:schemeClr>
-                </a:solidFill>
-                <a:ea typeface="Roboto Condensed" pitchFamily="2" charset="0"/>
-              </a:rPr>
-              <a:t>cảm biến chạm</a:t>
-            </a:r>
-            <a:endParaRPr lang="en-US" sz="1600" b="0" i="1" dirty="0" smtClean="0">
-              <a:solidFill>
-                <a:schemeClr val="tx1">
-                  <a:lumMod val="95000"/>
-                  <a:lumOff val="5000"/>
-                </a:schemeClr>
-              </a:solidFill>
-              <a:ea typeface="Roboto Condensed" pitchFamily="2" charset="0"/>
-            </a:endParaRPr>
+              <a:t>Các sự kiện liên quan đến cảm biến chạm</a:t>
+            </a:r>
           </a:p>
         </p:txBody>
       </p:sp>
@@ -6776,15 +6624,6 @@
               </a:rPr>
               <a:t>Shake Touch</a:t>
             </a:r>
-            <a:endParaRPr lang="en-US" sz="2000" dirty="0" smtClean="0">
-              <a:solidFill>
-                <a:schemeClr val="tx1">
-                  <a:lumMod val="95000"/>
-                  <a:lumOff val="5000"/>
-                </a:schemeClr>
-              </a:solidFill>
-              <a:ea typeface="Roboto Condensed" pitchFamily="2" charset="0"/>
-            </a:endParaRPr>
           </a:p>
         </p:txBody>
       </p:sp>
@@ -6844,15 +6683,6 @@
               </a:rPr>
               <a:t>Lắc micro:bit thì hiển thị hình trái tim</a:t>
             </a:r>
-            <a:endParaRPr lang="en-US" sz="2000" b="0" dirty="0" smtClean="0">
-              <a:solidFill>
-                <a:schemeClr val="tx1">
-                  <a:lumMod val="95000"/>
-                  <a:lumOff val="5000"/>
-                </a:schemeClr>
-              </a:solidFill>
-              <a:ea typeface="Roboto Condensed" pitchFamily="2" charset="0"/>
-            </a:endParaRPr>
           </a:p>
         </p:txBody>
       </p:sp>
@@ -7006,15 +6836,6 @@
               </a:rPr>
               <a:t>Chạm vào Logo thì hiển thị mặt cười</a:t>
             </a:r>
-            <a:endParaRPr lang="en-US" sz="2000" b="0" dirty="0" smtClean="0">
-              <a:solidFill>
-                <a:schemeClr val="tx1">
-                  <a:lumMod val="95000"/>
-                  <a:lumOff val="5000"/>
-                </a:schemeClr>
-              </a:solidFill>
-              <a:ea typeface="Roboto Condensed" pitchFamily="2" charset="0"/>
-            </a:endParaRPr>
           </a:p>
         </p:txBody>
       </p:sp>
@@ -7386,15 +7207,6 @@
               </a:rPr>
               <a:t> ở bài học trước, chúng ta đã sử dụng biến kết hợp với button A, button B để đếm số lượng rác thải có thể tái chế và rác thải không thể tái chế.</a:t>
             </a:r>
-            <a:endParaRPr lang="en-US" sz="2000" b="0" dirty="0" smtClean="0">
-              <a:solidFill>
-                <a:schemeClr val="tx1">
-                  <a:lumMod val="95000"/>
-                  <a:lumOff val="5000"/>
-                </a:schemeClr>
-              </a:solidFill>
-              <a:ea typeface="Roboto Condensed" pitchFamily="2" charset="0"/>
-            </a:endParaRPr>
           </a:p>
         </p:txBody>
       </p:sp>
@@ -7454,15 +7266,6 @@
               </a:rPr>
               <a:t>Thay vì thế chúng ta có thể sử dụng cảm biến: chạm, lắc để đếm số lượng mỗi loại rác thải.</a:t>
             </a:r>
-            <a:endParaRPr lang="en-US" sz="2000" b="0" dirty="0" smtClean="0">
-              <a:solidFill>
-                <a:schemeClr val="tx1">
-                  <a:lumMod val="95000"/>
-                  <a:lumOff val="5000"/>
-                </a:schemeClr>
-              </a:solidFill>
-              <a:ea typeface="Roboto Condensed" pitchFamily="2" charset="0"/>
-            </a:endParaRPr>
           </a:p>
         </p:txBody>
       </p:sp>
